--- a/Учёт_средств_транспортной_карты.pptx
+++ b/Учёт_средств_транспортной_карты.pptx
@@ -39632,6 +39632,18 @@
   <p:clrMapOvr>
     <a:masterClrMapping/>
   </p:clrMapOvr>
+  <mc:AlternateContent xmlns:mc="http://schemas.openxmlformats.org/markup-compatibility/2006">
+    <mc:Choice xmlns:p14="http://schemas.microsoft.com/office/powerpoint/2010/main" Requires="p14">
+      <p:transition spd="slow" p14:dur="2500">
+        <p:checker/>
+      </p:transition>
+    </mc:Choice>
+    <mc:Fallback>
+      <p:transition spd="slow">
+        <p:checker/>
+      </p:transition>
+    </mc:Fallback>
+  </mc:AlternateContent>
 </p:sld>
 </file>
 
@@ -39695,6 +39707,18 @@
   <p:clrMapOvr>
     <a:masterClrMapping/>
   </p:clrMapOvr>
+  <mc:AlternateContent xmlns:mc="http://schemas.openxmlformats.org/markup-compatibility/2006">
+    <mc:Choice xmlns:p15="http://schemas.microsoft.com/office/powerpoint/2012/main" Requires="p15">
+      <p:transition xmlns:p14="http://schemas.microsoft.com/office/powerpoint/2010/main" spd="slow" p14:dur="1250">
+        <p15:prstTrans prst="airplane"/>
+      </p:transition>
+    </mc:Choice>
+    <mc:Fallback>
+      <p:transition spd="slow">
+        <p:fade/>
+      </p:transition>
+    </mc:Fallback>
+  </mc:AlternateContent>
 </p:sld>
 </file>
 
@@ -42435,6 +42459,18 @@
   <p:clrMapOvr>
     <a:masterClrMapping/>
   </p:clrMapOvr>
+  <mc:AlternateContent xmlns:mc="http://schemas.openxmlformats.org/markup-compatibility/2006">
+    <mc:Choice xmlns:p14="http://schemas.microsoft.com/office/powerpoint/2010/main" Requires="p14">
+      <p:transition spd="slow" p14:dur="3400">
+        <p14:reveal/>
+      </p:transition>
+    </mc:Choice>
+    <mc:Fallback>
+      <p:transition spd="slow">
+        <p:fade/>
+      </p:transition>
+    </mc:Fallback>
+  </mc:AlternateContent>
 </p:sld>
 </file>
 
@@ -42544,6 +42580,18 @@
   <p:clrMapOvr>
     <a:masterClrMapping/>
   </p:clrMapOvr>
+  <mc:AlternateContent xmlns:mc="http://schemas.openxmlformats.org/markup-compatibility/2006">
+    <mc:Choice xmlns:p14="http://schemas.microsoft.com/office/powerpoint/2010/main" Requires="p14">
+      <p:transition spd="slow" p14:dur="3400">
+        <p14:reveal/>
+      </p:transition>
+    </mc:Choice>
+    <mc:Fallback>
+      <p:transition spd="slow">
+        <p:fade/>
+      </p:transition>
+    </mc:Fallback>
+  </mc:AlternateContent>
 </p:sld>
 </file>
 
@@ -46485,6 +46533,18 @@
   <p:clrMapOvr>
     <a:masterClrMapping/>
   </p:clrMapOvr>
+  <mc:AlternateContent xmlns:mc="http://schemas.openxmlformats.org/markup-compatibility/2006">
+    <mc:Choice xmlns:p14="http://schemas.microsoft.com/office/powerpoint/2010/main" Requires="p14">
+      <p:transition spd="slow" p14:dur="3400">
+        <p14:reveal/>
+      </p:transition>
+    </mc:Choice>
+    <mc:Fallback>
+      <p:transition spd="slow">
+        <p:fade/>
+      </p:transition>
+    </mc:Fallback>
+  </mc:AlternateContent>
 </p:sld>
 </file>
 
@@ -46586,6 +46646,18 @@
   <p:clrMapOvr>
     <a:masterClrMapping/>
   </p:clrMapOvr>
+  <mc:AlternateContent xmlns:mc="http://schemas.openxmlformats.org/markup-compatibility/2006">
+    <mc:Choice xmlns:p14="http://schemas.microsoft.com/office/powerpoint/2010/main" Requires="p14">
+      <p:transition spd="slow" p14:dur="3400">
+        <p14:reveal/>
+      </p:transition>
+    </mc:Choice>
+    <mc:Fallback>
+      <p:transition spd="slow">
+        <p:fade/>
+      </p:transition>
+    </mc:Fallback>
+  </mc:AlternateContent>
 </p:sld>
 </file>
 
@@ -49743,6 +49815,18 @@
   <p:clrMapOvr>
     <a:masterClrMapping/>
   </p:clrMapOvr>
+  <mc:AlternateContent xmlns:mc="http://schemas.openxmlformats.org/markup-compatibility/2006">
+    <mc:Choice xmlns:p14="http://schemas.microsoft.com/office/powerpoint/2010/main" Requires="p14">
+      <p:transition spd="slow" p14:dur="3400">
+        <p14:reveal/>
+      </p:transition>
+    </mc:Choice>
+    <mc:Fallback>
+      <p:transition spd="slow">
+        <p:fade/>
+      </p:transition>
+    </mc:Fallback>
+  </mc:AlternateContent>
 </p:sld>
 </file>
 
@@ -49861,6 +49945,18 @@
   <p:clrMapOvr>
     <a:masterClrMapping/>
   </p:clrMapOvr>
+  <mc:AlternateContent xmlns:mc="http://schemas.openxmlformats.org/markup-compatibility/2006">
+    <mc:Choice xmlns:p14="http://schemas.microsoft.com/office/powerpoint/2010/main" Requires="p14">
+      <p:transition spd="slow" p14:dur="3400">
+        <p14:reveal/>
+      </p:transition>
+    </mc:Choice>
+    <mc:Fallback>
+      <p:transition spd="slow">
+        <p:fade/>
+      </p:transition>
+    </mc:Fallback>
+  </mc:AlternateContent>
 </p:sld>
 </file>
 
@@ -52018,6 +52114,18 @@
   <p:clrMapOvr>
     <a:masterClrMapping/>
   </p:clrMapOvr>
+  <mc:AlternateContent xmlns:mc="http://schemas.openxmlformats.org/markup-compatibility/2006">
+    <mc:Choice xmlns:p14="http://schemas.microsoft.com/office/powerpoint/2010/main" Requires="p14">
+      <p:transition spd="slow" p14:dur="3400">
+        <p14:reveal/>
+      </p:transition>
+    </mc:Choice>
+    <mc:Fallback>
+      <p:transition spd="slow">
+        <p:fade/>
+      </p:transition>
+    </mc:Fallback>
+  </mc:AlternateContent>
 </p:sld>
 </file>
 
@@ -52091,6 +52199,18 @@
   <p:clrMapOvr>
     <a:masterClrMapping/>
   </p:clrMapOvr>
+  <mc:AlternateContent xmlns:mc="http://schemas.openxmlformats.org/markup-compatibility/2006">
+    <mc:Choice xmlns:p14="http://schemas.microsoft.com/office/powerpoint/2010/main" Requires="p14">
+      <p:transition spd="slow" p14:dur="3400">
+        <p14:reveal/>
+      </p:transition>
+    </mc:Choice>
+    <mc:Fallback>
+      <p:transition spd="slow">
+        <p:fade/>
+      </p:transition>
+    </mc:Fallback>
+  </mc:AlternateContent>
 </p:sld>
 </file>
 
